--- a/presentation/Présentation de la veille.pptx
+++ b/presentation/Présentation de la veille.pptx
@@ -325,7 +325,7 @@
             <a:fld id="{B61BEF0D-F0BB-DE4B-95CE-6DB70DBA9567}" type="datetimeFigureOut">
               <a:rPr lang="en-US" dirty="0"/>
               <a:pPr/>
-              <a:t>11/10/2023</a:t>
+              <a:t>11/22/2023</a:t>
             </a:fld>
             <a:endParaRPr lang="en-US" dirty="0"/>
           </a:p>
@@ -758,7 +758,7 @@
             <a:fld id="{B61BEF0D-F0BB-DE4B-95CE-6DB70DBA9567}" type="datetimeFigureOut">
               <a:rPr lang="en-US" dirty="0"/>
               <a:pPr/>
-              <a:t>11/10/2023</a:t>
+              <a:t>11/22/2023</a:t>
             </a:fld>
             <a:endParaRPr lang="en-US" dirty="0"/>
           </a:p>
@@ -1005,7 +1005,7 @@
             <a:fld id="{B61BEF0D-F0BB-DE4B-95CE-6DB70DBA9567}" type="datetimeFigureOut">
               <a:rPr lang="en-US" dirty="0"/>
               <a:pPr/>
-              <a:t>11/10/2023</a:t>
+              <a:t>11/22/2023</a:t>
             </a:fld>
             <a:endParaRPr lang="en-US" dirty="0"/>
           </a:p>
@@ -1310,7 +1310,7 @@
             <a:fld id="{B61BEF0D-F0BB-DE4B-95CE-6DB70DBA9567}" type="datetimeFigureOut">
               <a:rPr lang="en-US" dirty="0"/>
               <a:pPr/>
-              <a:t>11/10/2023</a:t>
+              <a:t>11/22/2023</a:t>
             </a:fld>
             <a:endParaRPr lang="en-US" dirty="0"/>
           </a:p>
@@ -1625,7 +1625,7 @@
             <a:fld id="{B61BEF0D-F0BB-DE4B-95CE-6DB70DBA9567}" type="datetimeFigureOut">
               <a:rPr lang="en-US" dirty="0"/>
               <a:pPr/>
-              <a:t>11/10/2023</a:t>
+              <a:t>11/22/2023</a:t>
             </a:fld>
             <a:endParaRPr lang="en-US" dirty="0"/>
           </a:p>
@@ -1924,7 +1924,7 @@
             <a:fld id="{B61BEF0D-F0BB-DE4B-95CE-6DB70DBA9567}" type="datetimeFigureOut">
               <a:rPr lang="en-US" dirty="0"/>
               <a:pPr/>
-              <a:t>11/10/2023</a:t>
+              <a:t>11/22/2023</a:t>
             </a:fld>
             <a:endParaRPr lang="en-US" dirty="0"/>
           </a:p>
@@ -2288,7 +2288,7 @@
             <a:fld id="{B61BEF0D-F0BB-DE4B-95CE-6DB70DBA9567}" type="datetimeFigureOut">
               <a:rPr lang="en-US" dirty="0"/>
               <a:pPr/>
-              <a:t>11/10/2023</a:t>
+              <a:t>11/22/2023</a:t>
             </a:fld>
             <a:endParaRPr lang="en-US" dirty="0"/>
           </a:p>
@@ -2459,7 +2459,7 @@
             <a:fld id="{B61BEF0D-F0BB-DE4B-95CE-6DB70DBA9567}" type="datetimeFigureOut">
               <a:rPr lang="en-US" dirty="0"/>
               <a:pPr/>
-              <a:t>11/10/2023</a:t>
+              <a:t>11/22/2023</a:t>
             </a:fld>
             <a:endParaRPr lang="en-US" dirty="0"/>
           </a:p>
@@ -2636,7 +2636,7 @@
             <a:fld id="{B61BEF0D-F0BB-DE4B-95CE-6DB70DBA9567}" type="datetimeFigureOut">
               <a:rPr lang="en-US" dirty="0"/>
               <a:pPr/>
-              <a:t>11/10/2023</a:t>
+              <a:t>11/22/2023</a:t>
             </a:fld>
             <a:endParaRPr lang="en-US" dirty="0"/>
           </a:p>
@@ -2803,7 +2803,7 @@
             <a:fld id="{B61BEF0D-F0BB-DE4B-95CE-6DB70DBA9567}" type="datetimeFigureOut">
               <a:rPr lang="en-US" dirty="0"/>
               <a:pPr/>
-              <a:t>11/10/2023</a:t>
+              <a:t>11/22/2023</a:t>
             </a:fld>
             <a:endParaRPr lang="en-US" dirty="0"/>
           </a:p>
@@ -3050,7 +3050,7 @@
             <a:fld id="{B61BEF0D-F0BB-DE4B-95CE-6DB70DBA9567}" type="datetimeFigureOut">
               <a:rPr lang="en-US" dirty="0"/>
               <a:pPr/>
-              <a:t>11/10/2023</a:t>
+              <a:t>11/22/2023</a:t>
             </a:fld>
             <a:endParaRPr lang="en-US" dirty="0"/>
           </a:p>
@@ -3283,7 +3283,7 @@
             <a:fld id="{B61BEF0D-F0BB-DE4B-95CE-6DB70DBA9567}" type="datetimeFigureOut">
               <a:rPr lang="en-US" dirty="0"/>
               <a:pPr/>
-              <a:t>11/10/2023</a:t>
+              <a:t>11/22/2023</a:t>
             </a:fld>
             <a:endParaRPr lang="en-US" dirty="0"/>
           </a:p>
@@ -3662,7 +3662,7 @@
             <a:fld id="{B61BEF0D-F0BB-DE4B-95CE-6DB70DBA9567}" type="datetimeFigureOut">
               <a:rPr lang="en-US" dirty="0"/>
               <a:pPr/>
-              <a:t>11/10/2023</a:t>
+              <a:t>11/22/2023</a:t>
             </a:fld>
             <a:endParaRPr lang="en-US" dirty="0"/>
           </a:p>
@@ -3777,7 +3777,7 @@
             <a:fld id="{B61BEF0D-F0BB-DE4B-95CE-6DB70DBA9567}" type="datetimeFigureOut">
               <a:rPr lang="en-US" dirty="0"/>
               <a:pPr/>
-              <a:t>11/10/2023</a:t>
+              <a:t>11/22/2023</a:t>
             </a:fld>
             <a:endParaRPr lang="en-US" dirty="0"/>
           </a:p>
@@ -3869,7 +3869,7 @@
             <a:fld id="{B61BEF0D-F0BB-DE4B-95CE-6DB70DBA9567}" type="datetimeFigureOut">
               <a:rPr lang="en-US" dirty="0"/>
               <a:pPr/>
-              <a:t>11/10/2023</a:t>
+              <a:t>11/22/2023</a:t>
             </a:fld>
             <a:endParaRPr lang="en-US" dirty="0"/>
           </a:p>
@@ -4121,7 +4121,7 @@
             <a:fld id="{B61BEF0D-F0BB-DE4B-95CE-6DB70DBA9567}" type="datetimeFigureOut">
               <a:rPr lang="en-US" dirty="0"/>
               <a:pPr/>
-              <a:t>11/10/2023</a:t>
+              <a:t>11/22/2023</a:t>
             </a:fld>
             <a:endParaRPr lang="en-US" dirty="0"/>
           </a:p>
@@ -4401,7 +4401,7 @@
             <a:fld id="{B61BEF0D-F0BB-DE4B-95CE-6DB70DBA9567}" type="datetimeFigureOut">
               <a:rPr lang="en-US" dirty="0"/>
               <a:pPr/>
-              <a:t>11/10/2023</a:t>
+              <a:t>11/22/2023</a:t>
             </a:fld>
             <a:endParaRPr lang="en-US" dirty="0"/>
           </a:p>
@@ -4804,7 +4804,7 @@
             <a:fld id="{B61BEF0D-F0BB-DE4B-95CE-6DB70DBA9567}" type="datetimeFigureOut">
               <a:rPr lang="en-US" dirty="0"/>
               <a:pPr/>
-              <a:t>11/10/2023</a:t>
+              <a:t>11/22/2023</a:t>
             </a:fld>
             <a:endParaRPr lang="en-US" dirty="0"/>
           </a:p>
@@ -5592,7 +5592,7 @@
         <p:spPr>
           <a:xfrm>
             <a:off x="1359016" y="1333850"/>
-            <a:ext cx="2622834" cy="1477328"/>
+            <a:ext cx="2622834" cy="923330"/>
           </a:xfrm>
           <a:prstGeom prst="rect">
             <a:avLst/>
@@ -5633,33 +5633,17 @@
                     <a:lumMod val="75000"/>
                   </a:schemeClr>
                 </a:solidFill>
+                <a:hlinkClick r:id="rId2"/>
               </a:rPr>
               <a:t>Openclassrooms.com</a:t>
             </a:r>
-          </a:p>
-          <a:p>
-            <a:r>
-              <a:rPr lang="fr-FR" dirty="0">
-                <a:solidFill>
-                  <a:schemeClr val="accent4">
-                    <a:lumMod val="75000"/>
-                  </a:schemeClr>
-                </a:solidFill>
-              </a:rPr>
-              <a:t>W3Schools.com</a:t>
-            </a:r>
-          </a:p>
-          <a:p>
-            <a:r>
-              <a:rPr lang="fr-FR" dirty="0">
-                <a:solidFill>
-                  <a:schemeClr val="accent4">
-                    <a:lumMod val="75000"/>
-                  </a:schemeClr>
-                </a:solidFill>
-              </a:rPr>
-              <a:t>Youtube.com</a:t>
-            </a:r>
+            <a:endParaRPr lang="fr-FR" dirty="0">
+              <a:solidFill>
+                <a:schemeClr val="accent4">
+                  <a:lumMod val="75000"/>
+                </a:schemeClr>
+              </a:solidFill>
+            </a:endParaRPr>
           </a:p>
         </p:txBody>
       </p:sp>
@@ -5719,9 +5703,17 @@
                     <a:lumMod val="75000"/>
                   </a:schemeClr>
                 </a:solidFill>
+                <a:hlinkClick r:id="rId3"/>
               </a:rPr>
               <a:t>React.dev </a:t>
             </a:r>
+            <a:endParaRPr lang="fr-FR" dirty="0">
+              <a:solidFill>
+                <a:schemeClr val="accent4">
+                  <a:lumMod val="75000"/>
+                </a:schemeClr>
+              </a:solidFill>
+            </a:endParaRPr>
           </a:p>
           <a:p>
             <a:r>
@@ -5731,9 +5723,17 @@
                     <a:lumMod val="75000"/>
                   </a:schemeClr>
                 </a:solidFill>
+                <a:hlinkClick r:id="rId4"/>
               </a:rPr>
               <a:t>Npmjs.com</a:t>
             </a:r>
+            <a:endParaRPr lang="fr-FR" dirty="0">
+              <a:solidFill>
+                <a:schemeClr val="accent4">
+                  <a:lumMod val="75000"/>
+                </a:schemeClr>
+              </a:solidFill>
+            </a:endParaRPr>
           </a:p>
           <a:p>
             <a:r>
@@ -5743,9 +5743,17 @@
                     <a:lumMod val="75000"/>
                   </a:schemeClr>
                 </a:solidFill>
+                <a:hlinkClick r:id="rId5"/>
               </a:rPr>
               <a:t>Sass-lang.com</a:t>
             </a:r>
+            <a:endParaRPr lang="fr-FR" dirty="0">
+              <a:solidFill>
+                <a:schemeClr val="accent4">
+                  <a:lumMod val="75000"/>
+                </a:schemeClr>
+              </a:solidFill>
+            </a:endParaRPr>
           </a:p>
           <a:p>
             <a:r>
@@ -5755,9 +5763,17 @@
                     <a:lumMod val="75000"/>
                   </a:schemeClr>
                 </a:solidFill>
+                <a:hlinkClick r:id="rId6"/>
               </a:rPr>
               <a:t>Deliveroo API Doc</a:t>
             </a:r>
+            <a:endParaRPr lang="fr-FR" dirty="0">
+              <a:solidFill>
+                <a:schemeClr val="accent4">
+                  <a:lumMod val="75000"/>
+                </a:schemeClr>
+              </a:solidFill>
+            </a:endParaRPr>
           </a:p>
           <a:p>
             <a:r>
@@ -5767,9 +5783,17 @@
                     <a:lumMod val="75000"/>
                   </a:schemeClr>
                 </a:solidFill>
+                <a:hlinkClick r:id="rId7"/>
               </a:rPr>
               <a:t>Facebook API Doc</a:t>
             </a:r>
+            <a:endParaRPr lang="fr-FR" dirty="0">
+              <a:solidFill>
+                <a:schemeClr val="accent4">
+                  <a:lumMod val="75000"/>
+                </a:schemeClr>
+              </a:solidFill>
+            </a:endParaRPr>
           </a:p>
           <a:p>
             <a:r>
@@ -5779,9 +5803,17 @@
                     <a:lumMod val="75000"/>
                   </a:schemeClr>
                 </a:solidFill>
+                <a:hlinkClick r:id="rId8"/>
               </a:rPr>
               <a:t>Visualstudio.com</a:t>
             </a:r>
+            <a:endParaRPr lang="fr-FR" dirty="0">
+              <a:solidFill>
+                <a:schemeClr val="accent4">
+                  <a:lumMod val="75000"/>
+                </a:schemeClr>
+              </a:solidFill>
+            </a:endParaRPr>
           </a:p>
           <a:p>
             <a:r>
@@ -5791,9 +5823,17 @@
                     <a:lumMod val="75000"/>
                   </a:schemeClr>
                 </a:solidFill>
+                <a:hlinkClick r:id="rId9"/>
               </a:rPr>
               <a:t>Dev.to</a:t>
             </a:r>
+            <a:endParaRPr lang="fr-FR" dirty="0">
+              <a:solidFill>
+                <a:schemeClr val="accent4">
+                  <a:lumMod val="75000"/>
+                </a:schemeClr>
+              </a:solidFill>
+            </a:endParaRPr>
           </a:p>
         </p:txBody>
       </p:sp>
@@ -6018,7 +6058,7 @@
                 </a:solidFill>
                 <a:hlinkClick r:id="rId2" action="ppaction://hlinksldjump"/>
               </a:rPr>
-              <a:t>Frontend</a:t>
+              <a:t>React</a:t>
             </a:r>
           </a:p>
           <a:p>
@@ -6296,53 +6336,12 @@
           <a:chExt cx="0" cy="0"/>
         </a:xfrm>
       </p:grpSpPr>
-      <p:sp>
-        <p:nvSpPr>
-          <p:cNvPr id="9" name="ZoneTexte 8">
+      <p:pic>
+        <p:nvPicPr>
+          <p:cNvPr id="7" name="Image 6">
             <a:extLst>
               <a:ext uri="{FF2B5EF4-FFF2-40B4-BE49-F238E27FC236}">
-                <a16:creationId xmlns:a16="http://schemas.microsoft.com/office/drawing/2014/main" id="{9642DD38-8115-EBF3-33BC-AEC559269C37}"/>
-              </a:ext>
-            </a:extLst>
-          </p:cNvPr>
-          <p:cNvSpPr txBox="1"/>
-          <p:nvPr/>
-        </p:nvSpPr>
-        <p:spPr>
-          <a:xfrm>
-            <a:off x="3083292" y="86628"/>
-            <a:ext cx="6025415" cy="523220"/>
-          </a:xfrm>
-          <a:prstGeom prst="rect">
-            <a:avLst/>
-          </a:prstGeom>
-          <a:noFill/>
-        </p:spPr>
-        <p:txBody>
-          <a:bodyPr wrap="square" rtlCol="0">
-            <a:spAutoFit/>
-          </a:bodyPr>
-          <a:lstStyle/>
-          <a:p>
-            <a:r>
-              <a:rPr lang="fr-FR" sz="2800" dirty="0">
-                <a:solidFill>
-                  <a:schemeClr val="accent4">
-                    <a:lumMod val="75000"/>
-                  </a:schemeClr>
-                </a:solidFill>
-              </a:rPr>
-              <a:t>Présentation de l’outil de veille </a:t>
-            </a:r>
-          </a:p>
-        </p:txBody>
-      </p:sp>
-      <p:pic>
-        <p:nvPicPr>
-          <p:cNvPr id="3" name="Image 2">
-            <a:extLst>
-              <a:ext uri="{FF2B5EF4-FFF2-40B4-BE49-F238E27FC236}">
-                <a16:creationId xmlns:a16="http://schemas.microsoft.com/office/drawing/2014/main" id="{58F0A7DB-B1D6-869E-1DBC-D4C0B8D6EC6C}"/>
+                <a16:creationId xmlns:a16="http://schemas.microsoft.com/office/drawing/2014/main" id="{02940626-033C-8C47-AA25-2F0E1E0B7B6F}"/>
               </a:ext>
             </a:extLst>
           </p:cNvPr>
@@ -6359,14 +6358,55 @@
         </p:blipFill>
         <p:spPr>
           <a:xfrm>
-            <a:off x="1476462" y="683569"/>
-            <a:ext cx="9086224" cy="5872427"/>
+            <a:off x="313727" y="1372389"/>
+            <a:ext cx="7379824" cy="5254743"/>
           </a:xfrm>
           <a:prstGeom prst="rect">
             <a:avLst/>
           </a:prstGeom>
         </p:spPr>
       </p:pic>
+      <p:sp>
+        <p:nvSpPr>
+          <p:cNvPr id="9" name="ZoneTexte 8">
+            <a:extLst>
+              <a:ext uri="{FF2B5EF4-FFF2-40B4-BE49-F238E27FC236}">
+                <a16:creationId xmlns:a16="http://schemas.microsoft.com/office/drawing/2014/main" id="{9642DD38-8115-EBF3-33BC-AEC559269C37}"/>
+              </a:ext>
+            </a:extLst>
+          </p:cNvPr>
+          <p:cNvSpPr txBox="1"/>
+          <p:nvPr/>
+        </p:nvSpPr>
+        <p:spPr>
+          <a:xfrm>
+            <a:off x="3083292" y="86628"/>
+            <a:ext cx="6025415" cy="523220"/>
+          </a:xfrm>
+          <a:prstGeom prst="rect">
+            <a:avLst/>
+          </a:prstGeom>
+          <a:noFill/>
+        </p:spPr>
+        <p:txBody>
+          <a:bodyPr wrap="square" rtlCol="0">
+            <a:spAutoFit/>
+          </a:bodyPr>
+          <a:lstStyle/>
+          <a:p>
+            <a:r>
+              <a:rPr lang="fr-FR" sz="2800" dirty="0">
+                <a:solidFill>
+                  <a:schemeClr val="accent4">
+                    <a:lumMod val="75000"/>
+                  </a:schemeClr>
+                </a:solidFill>
+              </a:rPr>
+              <a:t>Présentation de l’outil de veille </a:t>
+            </a:r>
+          </a:p>
+        </p:txBody>
+      </p:sp>
       <p:sp>
         <p:nvSpPr>
           <p:cNvPr id="4" name="Accolade fermante 3">
@@ -6381,8 +6421,8 @@
         </p:nvSpPr>
         <p:spPr>
           <a:xfrm rot="16200000">
-            <a:off x="5877100" y="-3107510"/>
-            <a:ext cx="284001" cy="8598717"/>
+            <a:off x="3742029" y="-2317523"/>
+            <a:ext cx="523219" cy="7379823"/>
           </a:xfrm>
           <a:prstGeom prst="rightBrace">
             <a:avLst/>
@@ -6432,7 +6472,7 @@
         </p:nvSpPr>
         <p:spPr>
           <a:xfrm>
-            <a:off x="4421547" y="682042"/>
+            <a:off x="2593446" y="741446"/>
             <a:ext cx="3195105" cy="369332"/>
           </a:xfrm>
           <a:prstGeom prst="rect">
@@ -6474,8 +6514,8 @@
         </p:nvSpPr>
         <p:spPr>
           <a:xfrm>
-            <a:off x="1476462" y="6555996"/>
-            <a:ext cx="5997155" cy="261610"/>
+            <a:off x="8588462" y="2278633"/>
+            <a:ext cx="2116285" cy="923330"/>
           </a:xfrm>
           <a:prstGeom prst="rect">
             <a:avLst/>
@@ -6489,13 +6529,52 @@
           <a:lstStyle/>
           <a:p>
             <a:r>
-              <a:rPr lang="fr-FR" sz="1100" dirty="0">
+              <a:rPr lang="fr-FR" dirty="0">
                 <a:solidFill>
                   <a:srgbClr val="FF0000"/>
                 </a:solidFill>
               </a:rPr>
-              <a:t>https://padlet.com/verbreukjordan/projet-7-verbreuk-jordan-veille-nw6ejgeabj2t8fao</a:t>
-            </a:r>
+              <a:t>Lien vers </a:t>
+            </a:r>
+            <a:r>
+              <a:rPr lang="fr-FR" dirty="0" err="1">
+                <a:solidFill>
+                  <a:srgbClr val="FF0000"/>
+                </a:solidFill>
+              </a:rPr>
+              <a:t>Padlet</a:t>
+            </a:r>
+            <a:r>
+              <a:rPr lang="fr-FR" dirty="0">
+                <a:solidFill>
+                  <a:srgbClr val="FF0000"/>
+                </a:solidFill>
+              </a:rPr>
+              <a:t> : </a:t>
+            </a:r>
+          </a:p>
+          <a:p>
+            <a:br>
+              <a:rPr lang="fr-FR" dirty="0">
+                <a:solidFill>
+                  <a:srgbClr val="FF0000"/>
+                </a:solidFill>
+              </a:rPr>
+            </a:br>
+            <a:r>
+              <a:rPr lang="fr-FR" dirty="0">
+                <a:solidFill>
+                  <a:srgbClr val="FF0000"/>
+                </a:solidFill>
+                <a:hlinkClick r:id="rId3"/>
+              </a:rPr>
+              <a:t>Ctrl + clic ici !</a:t>
+            </a:r>
+            <a:endParaRPr lang="fr-FR" dirty="0">
+              <a:solidFill>
+                <a:srgbClr val="FF0000"/>
+              </a:solidFill>
+            </a:endParaRPr>
           </a:p>
         </p:txBody>
       </p:sp>

--- a/presentation/Présentation de la veille.pptx
+++ b/presentation/Présentation de la veille.pptx
@@ -325,7 +325,7 @@
             <a:fld id="{B61BEF0D-F0BB-DE4B-95CE-6DB70DBA9567}" type="datetimeFigureOut">
               <a:rPr lang="en-US" dirty="0"/>
               <a:pPr/>
-              <a:t>11/22/2023</a:t>
+              <a:t>12/12/2023</a:t>
             </a:fld>
             <a:endParaRPr lang="en-US" dirty="0"/>
           </a:p>
@@ -758,7 +758,7 @@
             <a:fld id="{B61BEF0D-F0BB-DE4B-95CE-6DB70DBA9567}" type="datetimeFigureOut">
               <a:rPr lang="en-US" dirty="0"/>
               <a:pPr/>
-              <a:t>11/22/2023</a:t>
+              <a:t>12/12/2023</a:t>
             </a:fld>
             <a:endParaRPr lang="en-US" dirty="0"/>
           </a:p>
@@ -1005,7 +1005,7 @@
             <a:fld id="{B61BEF0D-F0BB-DE4B-95CE-6DB70DBA9567}" type="datetimeFigureOut">
               <a:rPr lang="en-US" dirty="0"/>
               <a:pPr/>
-              <a:t>11/22/2023</a:t>
+              <a:t>12/12/2023</a:t>
             </a:fld>
             <a:endParaRPr lang="en-US" dirty="0"/>
           </a:p>
@@ -1310,7 +1310,7 @@
             <a:fld id="{B61BEF0D-F0BB-DE4B-95CE-6DB70DBA9567}" type="datetimeFigureOut">
               <a:rPr lang="en-US" dirty="0"/>
               <a:pPr/>
-              <a:t>11/22/2023</a:t>
+              <a:t>12/12/2023</a:t>
             </a:fld>
             <a:endParaRPr lang="en-US" dirty="0"/>
           </a:p>
@@ -1625,7 +1625,7 @@
             <a:fld id="{B61BEF0D-F0BB-DE4B-95CE-6DB70DBA9567}" type="datetimeFigureOut">
               <a:rPr lang="en-US" dirty="0"/>
               <a:pPr/>
-              <a:t>11/22/2023</a:t>
+              <a:t>12/12/2023</a:t>
             </a:fld>
             <a:endParaRPr lang="en-US" dirty="0"/>
           </a:p>
@@ -1924,7 +1924,7 @@
             <a:fld id="{B61BEF0D-F0BB-DE4B-95CE-6DB70DBA9567}" type="datetimeFigureOut">
               <a:rPr lang="en-US" dirty="0"/>
               <a:pPr/>
-              <a:t>11/22/2023</a:t>
+              <a:t>12/12/2023</a:t>
             </a:fld>
             <a:endParaRPr lang="en-US" dirty="0"/>
           </a:p>
@@ -2288,7 +2288,7 @@
             <a:fld id="{B61BEF0D-F0BB-DE4B-95CE-6DB70DBA9567}" type="datetimeFigureOut">
               <a:rPr lang="en-US" dirty="0"/>
               <a:pPr/>
-              <a:t>11/22/2023</a:t>
+              <a:t>12/12/2023</a:t>
             </a:fld>
             <a:endParaRPr lang="en-US" dirty="0"/>
           </a:p>
@@ -2459,7 +2459,7 @@
             <a:fld id="{B61BEF0D-F0BB-DE4B-95CE-6DB70DBA9567}" type="datetimeFigureOut">
               <a:rPr lang="en-US" dirty="0"/>
               <a:pPr/>
-              <a:t>11/22/2023</a:t>
+              <a:t>12/12/2023</a:t>
             </a:fld>
             <a:endParaRPr lang="en-US" dirty="0"/>
           </a:p>
@@ -2636,7 +2636,7 @@
             <a:fld id="{B61BEF0D-F0BB-DE4B-95CE-6DB70DBA9567}" type="datetimeFigureOut">
               <a:rPr lang="en-US" dirty="0"/>
               <a:pPr/>
-              <a:t>11/22/2023</a:t>
+              <a:t>12/12/2023</a:t>
             </a:fld>
             <a:endParaRPr lang="en-US" dirty="0"/>
           </a:p>
@@ -2803,7 +2803,7 @@
             <a:fld id="{B61BEF0D-F0BB-DE4B-95CE-6DB70DBA9567}" type="datetimeFigureOut">
               <a:rPr lang="en-US" dirty="0"/>
               <a:pPr/>
-              <a:t>11/22/2023</a:t>
+              <a:t>12/12/2023</a:t>
             </a:fld>
             <a:endParaRPr lang="en-US" dirty="0"/>
           </a:p>
@@ -3050,7 +3050,7 @@
             <a:fld id="{B61BEF0D-F0BB-DE4B-95CE-6DB70DBA9567}" type="datetimeFigureOut">
               <a:rPr lang="en-US" dirty="0"/>
               <a:pPr/>
-              <a:t>11/22/2023</a:t>
+              <a:t>12/12/2023</a:t>
             </a:fld>
             <a:endParaRPr lang="en-US" dirty="0"/>
           </a:p>
@@ -3283,7 +3283,7 @@
             <a:fld id="{B61BEF0D-F0BB-DE4B-95CE-6DB70DBA9567}" type="datetimeFigureOut">
               <a:rPr lang="en-US" dirty="0"/>
               <a:pPr/>
-              <a:t>11/22/2023</a:t>
+              <a:t>12/12/2023</a:t>
             </a:fld>
             <a:endParaRPr lang="en-US" dirty="0"/>
           </a:p>
@@ -3662,7 +3662,7 @@
             <a:fld id="{B61BEF0D-F0BB-DE4B-95CE-6DB70DBA9567}" type="datetimeFigureOut">
               <a:rPr lang="en-US" dirty="0"/>
               <a:pPr/>
-              <a:t>11/22/2023</a:t>
+              <a:t>12/12/2023</a:t>
             </a:fld>
             <a:endParaRPr lang="en-US" dirty="0"/>
           </a:p>
@@ -3777,7 +3777,7 @@
             <a:fld id="{B61BEF0D-F0BB-DE4B-95CE-6DB70DBA9567}" type="datetimeFigureOut">
               <a:rPr lang="en-US" dirty="0"/>
               <a:pPr/>
-              <a:t>11/22/2023</a:t>
+              <a:t>12/12/2023</a:t>
             </a:fld>
             <a:endParaRPr lang="en-US" dirty="0"/>
           </a:p>
@@ -3869,7 +3869,7 @@
             <a:fld id="{B61BEF0D-F0BB-DE4B-95CE-6DB70DBA9567}" type="datetimeFigureOut">
               <a:rPr lang="en-US" dirty="0"/>
               <a:pPr/>
-              <a:t>11/22/2023</a:t>
+              <a:t>12/12/2023</a:t>
             </a:fld>
             <a:endParaRPr lang="en-US" dirty="0"/>
           </a:p>
@@ -4121,7 +4121,7 @@
             <a:fld id="{B61BEF0D-F0BB-DE4B-95CE-6DB70DBA9567}" type="datetimeFigureOut">
               <a:rPr lang="en-US" dirty="0"/>
               <a:pPr/>
-              <a:t>11/22/2023</a:t>
+              <a:t>12/12/2023</a:t>
             </a:fld>
             <a:endParaRPr lang="en-US" dirty="0"/>
           </a:p>
@@ -4401,7 +4401,7 @@
             <a:fld id="{B61BEF0D-F0BB-DE4B-95CE-6DB70DBA9567}" type="datetimeFigureOut">
               <a:rPr lang="en-US" dirty="0"/>
               <a:pPr/>
-              <a:t>11/22/2023</a:t>
+              <a:t>12/12/2023</a:t>
             </a:fld>
             <a:endParaRPr lang="en-US" dirty="0"/>
           </a:p>
@@ -4804,7 +4804,7 @@
             <a:fld id="{B61BEF0D-F0BB-DE4B-95CE-6DB70DBA9567}" type="datetimeFigureOut">
               <a:rPr lang="en-US" dirty="0"/>
               <a:pPr/>
-              <a:t>11/22/2023</a:t>
+              <a:t>12/12/2023</a:t>
             </a:fld>
             <a:endParaRPr lang="en-US" dirty="0"/>
           </a:p>
@@ -5662,7 +5662,7 @@
         <p:spPr>
           <a:xfrm>
             <a:off x="1359016" y="3429000"/>
-            <a:ext cx="2287806" cy="2585323"/>
+            <a:ext cx="2287806" cy="3139321"/>
           </a:xfrm>
           <a:prstGeom prst="rect">
             <a:avLst/>
@@ -5827,6 +5827,35 @@
               </a:rPr>
               <a:t>Dev.to</a:t>
             </a:r>
+            <a:endParaRPr lang="fr-FR" dirty="0">
+              <a:solidFill>
+                <a:schemeClr val="accent4">
+                  <a:lumMod val="75000"/>
+                </a:schemeClr>
+              </a:solidFill>
+            </a:endParaRPr>
+          </a:p>
+          <a:p>
+            <a:r>
+              <a:rPr lang="fr-FR" dirty="0">
+                <a:solidFill>
+                  <a:schemeClr val="accent4">
+                    <a:lumMod val="75000"/>
+                  </a:schemeClr>
+                </a:solidFill>
+                <a:hlinkClick r:id="rId10"/>
+              </a:rPr>
+              <a:t>Bezkoder.com</a:t>
+            </a:r>
+            <a:endParaRPr lang="fr-FR" dirty="0">
+              <a:solidFill>
+                <a:schemeClr val="accent4">
+                  <a:lumMod val="75000"/>
+                </a:schemeClr>
+              </a:solidFill>
+            </a:endParaRPr>
+          </a:p>
+          <a:p>
             <a:endParaRPr lang="fr-FR" dirty="0">
               <a:solidFill>
                 <a:schemeClr val="accent4">
